--- a/lol.pptx
+++ b/lol.pptx
@@ -104,6 +104,22 @@
       </a:defRPr>
     </a:lvl9pPr>
   </p:defaultTextStyle>
+  <p:extLst>
+    <p:ext uri="{EFAFB233-063F-42B5-8137-9DF3F51BA10A}">
+      <p15:sldGuideLst xmlns:p15="http://schemas.microsoft.com/office/powerpoint/2012/main">
+        <p15:guide id="1" orient="horz" pos="2160">
+          <p15:clr>
+            <a:srgbClr val="A4A3A4"/>
+          </p15:clr>
+        </p15:guide>
+        <p15:guide id="2" pos="2880">
+          <p15:clr>
+            <a:srgbClr val="A4A3A4"/>
+          </p15:clr>
+        </p15:guide>
+      </p15:sldGuideLst>
+    </p:ext>
+  </p:extLst>
 </p:presentation>
 </file>
 
@@ -288,7 +304,7 @@
           <a:p>
             <a:fld id="{1BA50D42-C9CD-4801-B293-61D1F53EC57E}" type="datetimeFigureOut">
               <a:rPr lang="de-DE" smtClean="0"/>
-              <a:t>28.10.2014</a:t>
+              <a:t>03.02.2015</a:t>
             </a:fld>
             <a:endParaRPr lang="de-DE"/>
           </a:p>
@@ -453,7 +469,7 @@
           <a:p>
             <a:fld id="{1BA50D42-C9CD-4801-B293-61D1F53EC57E}" type="datetimeFigureOut">
               <a:rPr lang="de-DE" smtClean="0"/>
-              <a:t>28.10.2014</a:t>
+              <a:t>03.02.2015</a:t>
             </a:fld>
             <a:endParaRPr lang="de-DE"/>
           </a:p>
@@ -628,7 +644,7 @@
           <a:p>
             <a:fld id="{1BA50D42-C9CD-4801-B293-61D1F53EC57E}" type="datetimeFigureOut">
               <a:rPr lang="de-DE" smtClean="0"/>
-              <a:t>28.10.2014</a:t>
+              <a:t>03.02.2015</a:t>
             </a:fld>
             <a:endParaRPr lang="de-DE"/>
           </a:p>
@@ -793,7 +809,7 @@
           <a:p>
             <a:fld id="{1BA50D42-C9CD-4801-B293-61D1F53EC57E}" type="datetimeFigureOut">
               <a:rPr lang="de-DE" smtClean="0"/>
-              <a:t>28.10.2014</a:t>
+              <a:t>03.02.2015</a:t>
             </a:fld>
             <a:endParaRPr lang="de-DE"/>
           </a:p>
@@ -1034,7 +1050,7 @@
           <a:p>
             <a:fld id="{1BA50D42-C9CD-4801-B293-61D1F53EC57E}" type="datetimeFigureOut">
               <a:rPr lang="de-DE" smtClean="0"/>
-              <a:t>28.10.2014</a:t>
+              <a:t>03.02.2015</a:t>
             </a:fld>
             <a:endParaRPr lang="de-DE"/>
           </a:p>
@@ -1317,7 +1333,7 @@
           <a:p>
             <a:fld id="{1BA50D42-C9CD-4801-B293-61D1F53EC57E}" type="datetimeFigureOut">
               <a:rPr lang="de-DE" smtClean="0"/>
-              <a:t>28.10.2014</a:t>
+              <a:t>03.02.2015</a:t>
             </a:fld>
             <a:endParaRPr lang="de-DE"/>
           </a:p>
@@ -1734,7 +1750,7 @@
           <a:p>
             <a:fld id="{1BA50D42-C9CD-4801-B293-61D1F53EC57E}" type="datetimeFigureOut">
               <a:rPr lang="de-DE" smtClean="0"/>
-              <a:t>28.10.2014</a:t>
+              <a:t>03.02.2015</a:t>
             </a:fld>
             <a:endParaRPr lang="de-DE"/>
           </a:p>
@@ -1847,7 +1863,7 @@
           <a:p>
             <a:fld id="{1BA50D42-C9CD-4801-B293-61D1F53EC57E}" type="datetimeFigureOut">
               <a:rPr lang="de-DE" smtClean="0"/>
-              <a:t>28.10.2014</a:t>
+              <a:t>03.02.2015</a:t>
             </a:fld>
             <a:endParaRPr lang="de-DE"/>
           </a:p>
@@ -1937,7 +1953,7 @@
           <a:p>
             <a:fld id="{1BA50D42-C9CD-4801-B293-61D1F53EC57E}" type="datetimeFigureOut">
               <a:rPr lang="de-DE" smtClean="0"/>
-              <a:t>28.10.2014</a:t>
+              <a:t>03.02.2015</a:t>
             </a:fld>
             <a:endParaRPr lang="de-DE"/>
           </a:p>
@@ -2209,7 +2225,7 @@
           <a:p>
             <a:fld id="{1BA50D42-C9CD-4801-B293-61D1F53EC57E}" type="datetimeFigureOut">
               <a:rPr lang="de-DE" smtClean="0"/>
-              <a:t>28.10.2014</a:t>
+              <a:t>03.02.2015</a:t>
             </a:fld>
             <a:endParaRPr lang="de-DE"/>
           </a:p>
@@ -2457,7 +2473,7 @@
           <a:p>
             <a:fld id="{1BA50D42-C9CD-4801-B293-61D1F53EC57E}" type="datetimeFigureOut">
               <a:rPr lang="de-DE" smtClean="0"/>
-              <a:t>28.10.2014</a:t>
+              <a:t>03.02.2015</a:t>
             </a:fld>
             <a:endParaRPr lang="de-DE"/>
           </a:p>
@@ -2665,7 +2681,7 @@
           <a:p>
             <a:fld id="{1BA50D42-C9CD-4801-B293-61D1F53EC57E}" type="datetimeFigureOut">
               <a:rPr lang="de-DE" smtClean="0"/>
-              <a:t>28.10.2014</a:t>
+              <a:t>03.02.2015</a:t>
             </a:fld>
             <a:endParaRPr lang="de-DE"/>
           </a:p>
@@ -3073,6 +3089,14 @@
           <a:bodyPr/>
           <a:lstStyle/>
           <a:p>
+            <a:r>
+              <a:rPr lang="de-DE" dirty="0" err="1" smtClean="0"/>
+              <a:t>Sdjfvnlsjvhbflibjäaer</a:t>
+            </a:r>
+            <a:r>
+              <a:rPr lang="de-DE" smtClean="0"/>
+              <a:t>-</a:t>
+            </a:r>
             <a:endParaRPr lang="de-DE"/>
           </a:p>
         </p:txBody>
